--- a/slides/Python_Workshop_3.pptx
+++ b/slides/Python_Workshop_3.pptx
@@ -139,6 +139,11 @@
       </a:defRPr>
     </a:lvl9pPr>
   </p:defaultTextStyle>
+  <p:extLst>
+    <p:ext uri="{EFAFB233-063F-42B5-8137-9DF3F51BA10A}">
+      <p15:sldGuideLst xmlns:p15="http://schemas.microsoft.com/office/powerpoint/2012/main"/>
+    </p:ext>
+  </p:extLst>
 </p:presentation>
 </file>
 
@@ -289,7 +294,7 @@
           <a:p>
             <a:fld id="{0D23A478-D693-4BA2-9C30-0362C046427A}" type="datetimeFigureOut">
               <a:rPr lang="zh-TW" altLang="en-US" smtClean="0"/>
-              <a:t>2025/3/11</a:t>
+              <a:t>2025/3/12</a:t>
             </a:fld>
             <a:endParaRPr lang="zh-TW" altLang="en-US"/>
           </a:p>
@@ -487,7 +492,7 @@
           <a:p>
             <a:fld id="{0D23A478-D693-4BA2-9C30-0362C046427A}" type="datetimeFigureOut">
               <a:rPr lang="zh-TW" altLang="en-US" smtClean="0"/>
-              <a:t>2025/3/11</a:t>
+              <a:t>2025/3/12</a:t>
             </a:fld>
             <a:endParaRPr lang="zh-TW" altLang="en-US"/>
           </a:p>
@@ -695,7 +700,7 @@
           <a:p>
             <a:fld id="{0D23A478-D693-4BA2-9C30-0362C046427A}" type="datetimeFigureOut">
               <a:rPr lang="zh-TW" altLang="en-US" smtClean="0"/>
-              <a:t>2025/3/11</a:t>
+              <a:t>2025/3/12</a:t>
             </a:fld>
             <a:endParaRPr lang="zh-TW" altLang="en-US"/>
           </a:p>
@@ -893,7 +898,7 @@
           <a:p>
             <a:fld id="{0D23A478-D693-4BA2-9C30-0362C046427A}" type="datetimeFigureOut">
               <a:rPr lang="zh-TW" altLang="en-US" smtClean="0"/>
-              <a:t>2025/3/11</a:t>
+              <a:t>2025/3/12</a:t>
             </a:fld>
             <a:endParaRPr lang="zh-TW" altLang="en-US"/>
           </a:p>
@@ -1168,7 +1173,7 @@
           <a:p>
             <a:fld id="{0D23A478-D693-4BA2-9C30-0362C046427A}" type="datetimeFigureOut">
               <a:rPr lang="zh-TW" altLang="en-US" smtClean="0"/>
-              <a:t>2025/3/11</a:t>
+              <a:t>2025/3/12</a:t>
             </a:fld>
             <a:endParaRPr lang="zh-TW" altLang="en-US"/>
           </a:p>
@@ -1433,7 +1438,7 @@
           <a:p>
             <a:fld id="{0D23A478-D693-4BA2-9C30-0362C046427A}" type="datetimeFigureOut">
               <a:rPr lang="zh-TW" altLang="en-US" smtClean="0"/>
-              <a:t>2025/3/11</a:t>
+              <a:t>2025/3/12</a:t>
             </a:fld>
             <a:endParaRPr lang="zh-TW" altLang="en-US"/>
           </a:p>
@@ -1845,7 +1850,7 @@
           <a:p>
             <a:fld id="{0D23A478-D693-4BA2-9C30-0362C046427A}" type="datetimeFigureOut">
               <a:rPr lang="zh-TW" altLang="en-US" smtClean="0"/>
-              <a:t>2025/3/11</a:t>
+              <a:t>2025/3/12</a:t>
             </a:fld>
             <a:endParaRPr lang="zh-TW" altLang="en-US"/>
           </a:p>
@@ -1986,7 +1991,7 @@
           <a:p>
             <a:fld id="{0D23A478-D693-4BA2-9C30-0362C046427A}" type="datetimeFigureOut">
               <a:rPr lang="zh-TW" altLang="en-US" smtClean="0"/>
-              <a:t>2025/3/11</a:t>
+              <a:t>2025/3/12</a:t>
             </a:fld>
             <a:endParaRPr lang="zh-TW" altLang="en-US"/>
           </a:p>
@@ -2099,7 +2104,7 @@
           <a:p>
             <a:fld id="{0D23A478-D693-4BA2-9C30-0362C046427A}" type="datetimeFigureOut">
               <a:rPr lang="zh-TW" altLang="en-US" smtClean="0"/>
-              <a:t>2025/3/11</a:t>
+              <a:t>2025/3/12</a:t>
             </a:fld>
             <a:endParaRPr lang="zh-TW" altLang="en-US"/>
           </a:p>
@@ -2410,7 +2415,7 @@
           <a:p>
             <a:fld id="{0D23A478-D693-4BA2-9C30-0362C046427A}" type="datetimeFigureOut">
               <a:rPr lang="zh-TW" altLang="en-US" smtClean="0"/>
-              <a:t>2025/3/11</a:t>
+              <a:t>2025/3/12</a:t>
             </a:fld>
             <a:endParaRPr lang="zh-TW" altLang="en-US"/>
           </a:p>
@@ -2698,7 +2703,7 @@
           <a:p>
             <a:fld id="{0D23A478-D693-4BA2-9C30-0362C046427A}" type="datetimeFigureOut">
               <a:rPr lang="zh-TW" altLang="en-US" smtClean="0"/>
-              <a:t>2025/3/11</a:t>
+              <a:t>2025/3/12</a:t>
             </a:fld>
             <a:endParaRPr lang="zh-TW" altLang="en-US"/>
           </a:p>
@@ -2939,7 +2944,7 @@
           <a:p>
             <a:fld id="{0D23A478-D693-4BA2-9C30-0362C046427A}" type="datetimeFigureOut">
               <a:rPr lang="zh-TW" altLang="en-US" smtClean="0"/>
-              <a:t>2025/3/11</a:t>
+              <a:t>2025/3/12</a:t>
             </a:fld>
             <a:endParaRPr lang="zh-TW" altLang="en-US"/>
           </a:p>
@@ -4738,6 +4743,69 @@
           </a:p>
         </p:txBody>
       </p:sp>
+      <p:sp>
+        <p:nvSpPr>
+          <p:cNvPr id="2" name="文字方塊 1">
+            <a:extLst>
+              <a:ext uri="{FF2B5EF4-FFF2-40B4-BE49-F238E27FC236}">
+                <a16:creationId xmlns:a16="http://schemas.microsoft.com/office/drawing/2014/main" id="{E743C51D-AFB5-5816-3D95-AC5CFA40BA5C}"/>
+              </a:ext>
+            </a:extLst>
+          </p:cNvPr>
+          <p:cNvSpPr txBox="1"/>
+          <p:nvPr/>
+        </p:nvSpPr>
+        <p:spPr>
+          <a:xfrm>
+            <a:off x="1410511" y="1595336"/>
+            <a:ext cx="10340502" cy="4524315"/>
+          </a:xfrm>
+          <a:prstGeom prst="rect">
+            <a:avLst/>
+          </a:prstGeom>
+          <a:noFill/>
+        </p:spPr>
+        <p:txBody>
+          <a:bodyPr wrap="square" rtlCol="0">
+            <a:spAutoFit/>
+          </a:bodyPr>
+          <a:lstStyle/>
+          <a:p>
+            <a:r>
+              <a:rPr lang="en-US" altLang="zh-TW" sz="7200" dirty="0"/>
+              <a:t>F(x) = 2x+1</a:t>
+            </a:r>
+            <a:br>
+              <a:rPr lang="en-US" altLang="zh-TW" sz="7200" dirty="0"/>
+            </a:br>
+            <a:r>
+              <a:rPr lang="en-US" altLang="zh-TW" sz="7200" dirty="0"/>
+              <a:t>x </a:t>
+            </a:r>
+            <a:r>
+              <a:rPr lang="en-US" altLang="zh-TW" sz="7200" dirty="0">
+                <a:sym typeface="Wingdings" panose="05000000000000000000" pitchFamily="2" charset="2"/>
+              </a:rPr>
+              <a:t> x*2  (x*2)+1 re</a:t>
+            </a:r>
+            <a:br>
+              <a:rPr lang="en-US" altLang="zh-TW" sz="7200" dirty="0">
+                <a:sym typeface="Wingdings" panose="05000000000000000000" pitchFamily="2" charset="2"/>
+              </a:rPr>
+            </a:br>
+            <a:r>
+              <a:rPr lang="en-US" altLang="zh-TW" sz="7200" dirty="0">
+                <a:sym typeface="Wingdings" panose="05000000000000000000" pitchFamily="2" charset="2"/>
+              </a:rPr>
+              <a:t>5(int)10(int) 11(int) </a:t>
+            </a:r>
+            <a:br>
+              <a:rPr lang="en-US" altLang="zh-TW" sz="7200" dirty="0"/>
+            </a:br>
+            <a:endParaRPr lang="zh-TW" altLang="en-US" sz="7200" dirty="0"/>
+          </a:p>
+        </p:txBody>
+      </p:sp>
     </p:spTree>
     <p:extLst>
       <p:ext uri="{BB962C8B-B14F-4D97-AF65-F5344CB8AC3E}">
@@ -5049,8 +5117,12 @@
           <a:p>
             <a:pPr algn="ctr"/>
             <a:r>
+              <a:rPr lang="en-US" altLang="zh-TW" sz="4800" b="1" dirty="0" err="1"/>
+              <a:t>inputSTR</a:t>
+            </a:r>
+            <a:r>
               <a:rPr lang="en-US" altLang="zh-TW" sz="4800" b="1" dirty="0"/>
-              <a:t>Input[ </a:t>
+              <a:t>[ </a:t>
             </a:r>
             <a:r>
               <a:rPr lang="en-US" altLang="zh-TW" sz="4800" b="1" dirty="0" err="1"/>
